--- a/part1.pptx
+++ b/part1.pptx
@@ -11202,7 +11202,7 @@
           <a:p>
             <a:fld id="{4ECA1A39-D48C-4DEB-B207-893886E3C72B}" type="datetimeFigureOut">
               <a:rPr lang="en-US" smtClean="0"/>
-              <a:t>3/16/2016</a:t>
+              <a:t>3/22/2016</a:t>
             </a:fld>
             <a:endParaRPr lang="en-US"/>
           </a:p>
@@ -24502,7 +24502,7 @@
           <a:p>
             <a:fld id="{4ECA1A39-D48C-4DEB-B207-893886E3C72B}" type="datetimeFigureOut">
               <a:rPr lang="en-US" smtClean="0"/>
-              <a:t>3/16/2016</a:t>
+              <a:t>3/22/2016</a:t>
             </a:fld>
             <a:endParaRPr lang="en-US"/>
           </a:p>
@@ -26985,6 +26985,35 @@
 <file path=ppt/slides/slide10.xml><?xml version="1.0" encoding="utf-8"?>
 <p:sld xmlns:a="http://schemas.openxmlformats.org/drawingml/2006/main" xmlns:r="http://schemas.openxmlformats.org/officeDocument/2006/relationships" xmlns:p="http://schemas.openxmlformats.org/presentationml/2006/main">
   <p:cSld>
+    <p:bg>
+      <p:bgPr>
+        <a:gradFill>
+          <a:gsLst>
+            <a:gs pos="0">
+              <a:schemeClr val="accent1">
+                <a:lumMod val="0"/>
+                <a:lumOff val="100000"/>
+              </a:schemeClr>
+            </a:gs>
+            <a:gs pos="30000">
+              <a:schemeClr val="accent1">
+                <a:lumMod val="0"/>
+                <a:lumOff val="100000"/>
+              </a:schemeClr>
+            </a:gs>
+            <a:gs pos="100000">
+              <a:schemeClr val="accent1">
+                <a:lumMod val="100000"/>
+              </a:schemeClr>
+            </a:gs>
+          </a:gsLst>
+          <a:path path="circle">
+            <a:fillToRect l="50000" t="-80000" r="50000" b="180000"/>
+          </a:path>
+        </a:gradFill>
+        <a:effectLst/>
+      </p:bgPr>
+    </p:bg>
     <p:spTree>
       <p:nvGrpSpPr>
         <p:cNvPr id="1" name=""/>
@@ -27091,12 +27120,48 @@
   <p:clrMapOvr>
     <a:masterClrMapping/>
   </p:clrMapOvr>
+  <p:timing>
+    <p:tnLst>
+      <p:par>
+        <p:cTn id="1" dur="indefinite" restart="never" nodeType="tmRoot"/>
+      </p:par>
+    </p:tnLst>
+  </p:timing>
 </p:sld>
 </file>
 
 <file path=ppt/slides/slide11.xml><?xml version="1.0" encoding="utf-8"?>
 <p:sld xmlns:a="http://schemas.openxmlformats.org/drawingml/2006/main" xmlns:r="http://schemas.openxmlformats.org/officeDocument/2006/relationships" xmlns:p="http://schemas.openxmlformats.org/presentationml/2006/main">
   <p:cSld>
+    <p:bg>
+      <p:bgPr>
+        <a:gradFill>
+          <a:gsLst>
+            <a:gs pos="0">
+              <a:schemeClr val="accent1">
+                <a:lumMod val="0"/>
+                <a:lumOff val="100000"/>
+              </a:schemeClr>
+            </a:gs>
+            <a:gs pos="30000">
+              <a:schemeClr val="accent1">
+                <a:lumMod val="0"/>
+                <a:lumOff val="100000"/>
+              </a:schemeClr>
+            </a:gs>
+            <a:gs pos="100000">
+              <a:schemeClr val="accent1">
+                <a:lumMod val="100000"/>
+              </a:schemeClr>
+            </a:gs>
+          </a:gsLst>
+          <a:path path="circle">
+            <a:fillToRect l="50000" t="-80000" r="50000" b="180000"/>
+          </a:path>
+        </a:gradFill>
+        <a:effectLst/>
+      </p:bgPr>
+    </p:bg>
     <p:spTree>
       <p:nvGrpSpPr>
         <p:cNvPr id="1" name=""/>
@@ -27175,7 +27240,6 @@
               <a:rPr lang="en-US" sz="3200" b="1" i="1" dirty="0"/>
               <a:t>add &lt;filename&gt;</a:t>
             </a:r>
-            <a:endParaRPr lang="en-US" sz="3200" b="1" i="1" dirty="0"/>
           </a:p>
           <a:p>
             <a:pPr algn="ctr"/>
@@ -27200,8 +27264,17 @@
             </a:r>
             <a:r>
               <a:rPr lang="en-US" sz="3200" b="1" i="1" dirty="0" smtClean="0"/>
-              <a:t>“My first commit ;)“</a:t>
-            </a:r>
+              <a:t>&lt;</a:t>
+            </a:r>
+            <a:r>
+              <a:rPr lang="en-US" sz="3200" b="1" i="1" dirty="0" err="1" smtClean="0"/>
+              <a:t>commit_message</a:t>
+            </a:r>
+            <a:r>
+              <a:rPr lang="en-US" sz="3200" b="1" i="1" dirty="0" smtClean="0"/>
+              <a:t>&gt;</a:t>
+            </a:r>
+            <a:endParaRPr lang="en-US" sz="3200" b="1" i="1" dirty="0" smtClean="0"/>
           </a:p>
           <a:p>
             <a:pPr algn="ctr"/>
@@ -27227,12 +27300,48 @@
   <p:clrMapOvr>
     <a:masterClrMapping/>
   </p:clrMapOvr>
+  <p:timing>
+    <p:tnLst>
+      <p:par>
+        <p:cTn id="1" dur="indefinite" restart="never" nodeType="tmRoot"/>
+      </p:par>
+    </p:tnLst>
+  </p:timing>
 </p:sld>
 </file>
 
 <file path=ppt/slides/slide12.xml><?xml version="1.0" encoding="utf-8"?>
 <p:sld xmlns:a="http://schemas.openxmlformats.org/drawingml/2006/main" xmlns:r="http://schemas.openxmlformats.org/officeDocument/2006/relationships" xmlns:p="http://schemas.openxmlformats.org/presentationml/2006/main">
   <p:cSld>
+    <p:bg>
+      <p:bgPr>
+        <a:gradFill>
+          <a:gsLst>
+            <a:gs pos="0">
+              <a:schemeClr val="accent1">
+                <a:lumMod val="0"/>
+                <a:lumOff val="100000"/>
+              </a:schemeClr>
+            </a:gs>
+            <a:gs pos="30000">
+              <a:schemeClr val="accent1">
+                <a:lumMod val="0"/>
+                <a:lumOff val="100000"/>
+              </a:schemeClr>
+            </a:gs>
+            <a:gs pos="100000">
+              <a:schemeClr val="accent1">
+                <a:lumMod val="100000"/>
+              </a:schemeClr>
+            </a:gs>
+          </a:gsLst>
+          <a:path path="circle">
+            <a:fillToRect l="50000" t="-80000" r="50000" b="180000"/>
+          </a:path>
+        </a:gradFill>
+        <a:effectLst/>
+      </p:bgPr>
+    </p:bg>
     <p:spTree>
       <p:nvGrpSpPr>
         <p:cNvPr id="1" name=""/>
@@ -27351,12 +27460,48 @@
   <p:clrMapOvr>
     <a:masterClrMapping/>
   </p:clrMapOvr>
+  <p:timing>
+    <p:tnLst>
+      <p:par>
+        <p:cTn id="1" dur="indefinite" restart="never" nodeType="tmRoot"/>
+      </p:par>
+    </p:tnLst>
+  </p:timing>
 </p:sld>
 </file>
 
 <file path=ppt/slides/slide13.xml><?xml version="1.0" encoding="utf-8"?>
 <p:sld xmlns:a="http://schemas.openxmlformats.org/drawingml/2006/main" xmlns:r="http://schemas.openxmlformats.org/officeDocument/2006/relationships" xmlns:p="http://schemas.openxmlformats.org/presentationml/2006/main">
   <p:cSld>
+    <p:bg>
+      <p:bgPr>
+        <a:gradFill>
+          <a:gsLst>
+            <a:gs pos="0">
+              <a:schemeClr val="accent1">
+                <a:lumMod val="0"/>
+                <a:lumOff val="100000"/>
+              </a:schemeClr>
+            </a:gs>
+            <a:gs pos="30000">
+              <a:schemeClr val="accent1">
+                <a:lumMod val="0"/>
+                <a:lumOff val="100000"/>
+              </a:schemeClr>
+            </a:gs>
+            <a:gs pos="100000">
+              <a:schemeClr val="accent1">
+                <a:lumMod val="100000"/>
+              </a:schemeClr>
+            </a:gs>
+          </a:gsLst>
+          <a:path path="circle">
+            <a:fillToRect l="50000" t="-80000" r="50000" b="180000"/>
+          </a:path>
+        </a:gradFill>
+        <a:effectLst/>
+      </p:bgPr>
+    </p:bg>
     <p:spTree>
       <p:nvGrpSpPr>
         <p:cNvPr id="1" name=""/>
@@ -27390,7 +27535,6 @@
               <a:rPr lang="en-US" dirty="0"/>
               <a:t>Get in touch with remote repo</a:t>
             </a:r>
-            <a:endParaRPr lang="en-US" dirty="0"/>
           </a:p>
         </p:txBody>
       </p:sp>
@@ -27475,12 +27619,48 @@
   <p:clrMapOvr>
     <a:masterClrMapping/>
   </p:clrMapOvr>
+  <p:timing>
+    <p:tnLst>
+      <p:par>
+        <p:cTn id="1" dur="indefinite" restart="never" nodeType="tmRoot"/>
+      </p:par>
+    </p:tnLst>
+  </p:timing>
 </p:sld>
 </file>
 
 <file path=ppt/slides/slide14.xml><?xml version="1.0" encoding="utf-8"?>
 <p:sld xmlns:a="http://schemas.openxmlformats.org/drawingml/2006/main" xmlns:r="http://schemas.openxmlformats.org/officeDocument/2006/relationships" xmlns:p="http://schemas.openxmlformats.org/presentationml/2006/main">
   <p:cSld>
+    <p:bg>
+      <p:bgPr>
+        <a:gradFill>
+          <a:gsLst>
+            <a:gs pos="0">
+              <a:schemeClr val="accent1">
+                <a:lumMod val="0"/>
+                <a:lumOff val="100000"/>
+              </a:schemeClr>
+            </a:gs>
+            <a:gs pos="30000">
+              <a:schemeClr val="accent1">
+                <a:lumMod val="0"/>
+                <a:lumOff val="100000"/>
+              </a:schemeClr>
+            </a:gs>
+            <a:gs pos="100000">
+              <a:schemeClr val="accent1">
+                <a:lumMod val="100000"/>
+              </a:schemeClr>
+            </a:gs>
+          </a:gsLst>
+          <a:path path="circle">
+            <a:fillToRect l="50000" t="-80000" r="50000" b="180000"/>
+          </a:path>
+        </a:gradFill>
+        <a:effectLst/>
+      </p:bgPr>
+    </p:bg>
     <p:spTree>
       <p:nvGrpSpPr>
         <p:cNvPr id="1" name=""/>
@@ -27599,12 +27779,48 @@
   <p:clrMapOvr>
     <a:masterClrMapping/>
   </p:clrMapOvr>
+  <p:timing>
+    <p:tnLst>
+      <p:par>
+        <p:cTn id="1" dur="indefinite" restart="never" nodeType="tmRoot"/>
+      </p:par>
+    </p:tnLst>
+  </p:timing>
 </p:sld>
 </file>
 
 <file path=ppt/slides/slide15.xml><?xml version="1.0" encoding="utf-8"?>
 <p:sld xmlns:a="http://schemas.openxmlformats.org/drawingml/2006/main" xmlns:r="http://schemas.openxmlformats.org/officeDocument/2006/relationships" xmlns:p="http://schemas.openxmlformats.org/presentationml/2006/main">
   <p:cSld>
+    <p:bg>
+      <p:bgPr>
+        <a:gradFill>
+          <a:gsLst>
+            <a:gs pos="0">
+              <a:schemeClr val="accent1">
+                <a:lumMod val="0"/>
+                <a:lumOff val="100000"/>
+              </a:schemeClr>
+            </a:gs>
+            <a:gs pos="30000">
+              <a:schemeClr val="accent1">
+                <a:lumMod val="0"/>
+                <a:lumOff val="100000"/>
+              </a:schemeClr>
+            </a:gs>
+            <a:gs pos="100000">
+              <a:schemeClr val="accent1">
+                <a:lumMod val="100000"/>
+              </a:schemeClr>
+            </a:gs>
+          </a:gsLst>
+          <a:path path="circle">
+            <a:fillToRect l="50000" t="-80000" r="50000" b="180000"/>
+          </a:path>
+        </a:gradFill>
+        <a:effectLst/>
+      </p:bgPr>
+    </p:bg>
     <p:spTree>
       <p:nvGrpSpPr>
         <p:cNvPr id="1" name=""/>
@@ -27652,12 +27868,48 @@
   <p:clrMapOvr>
     <a:masterClrMapping/>
   </p:clrMapOvr>
+  <p:timing>
+    <p:tnLst>
+      <p:par>
+        <p:cTn id="1" dur="indefinite" restart="never" nodeType="tmRoot"/>
+      </p:par>
+    </p:tnLst>
+  </p:timing>
 </p:sld>
 </file>
 
 <file path=ppt/slides/slide16.xml><?xml version="1.0" encoding="utf-8"?>
 <p:sld xmlns:a="http://schemas.openxmlformats.org/drawingml/2006/main" xmlns:r="http://schemas.openxmlformats.org/officeDocument/2006/relationships" xmlns:p="http://schemas.openxmlformats.org/presentationml/2006/main">
   <p:cSld>
+    <p:bg>
+      <p:bgPr>
+        <a:gradFill>
+          <a:gsLst>
+            <a:gs pos="0">
+              <a:schemeClr val="accent1">
+                <a:lumMod val="0"/>
+                <a:lumOff val="100000"/>
+              </a:schemeClr>
+            </a:gs>
+            <a:gs pos="30000">
+              <a:schemeClr val="accent1">
+                <a:lumMod val="0"/>
+                <a:lumOff val="100000"/>
+              </a:schemeClr>
+            </a:gs>
+            <a:gs pos="100000">
+              <a:schemeClr val="accent1">
+                <a:lumMod val="100000"/>
+              </a:schemeClr>
+            </a:gs>
+          </a:gsLst>
+          <a:path path="circle">
+            <a:fillToRect l="50000" t="-80000" r="50000" b="180000"/>
+          </a:path>
+        </a:gradFill>
+        <a:effectLst/>
+      </p:bgPr>
+    </p:bg>
     <p:spTree>
       <p:nvGrpSpPr>
         <p:cNvPr id="1" name=""/>
@@ -27705,6 +27957,13 @@
   <p:clrMapOvr>
     <a:masterClrMapping/>
   </p:clrMapOvr>
+  <p:timing>
+    <p:tnLst>
+      <p:par>
+        <p:cTn id="1" dur="indefinite" restart="never" nodeType="tmRoot"/>
+      </p:par>
+    </p:tnLst>
+  </p:timing>
 </p:sld>
 </file>
 
@@ -27914,7 +28173,7 @@
                 <a:lumOff val="100000"/>
               </a:schemeClr>
             </a:gs>
-            <a:gs pos="35000">
+            <a:gs pos="30000">
               <a:schemeClr val="accent1">
                 <a:lumMod val="0"/>
                 <a:lumOff val="100000"/>
@@ -28058,6 +28317,35 @@
 <file path=ppt/slides/slide4.xml><?xml version="1.0" encoding="utf-8"?>
 <p:sld xmlns:a="http://schemas.openxmlformats.org/drawingml/2006/main" xmlns:r="http://schemas.openxmlformats.org/officeDocument/2006/relationships" xmlns:p="http://schemas.openxmlformats.org/presentationml/2006/main">
   <p:cSld>
+    <p:bg>
+      <p:bgPr>
+        <a:gradFill>
+          <a:gsLst>
+            <a:gs pos="0">
+              <a:schemeClr val="accent1">
+                <a:lumMod val="0"/>
+                <a:lumOff val="100000"/>
+              </a:schemeClr>
+            </a:gs>
+            <a:gs pos="30000">
+              <a:schemeClr val="accent1">
+                <a:lumMod val="0"/>
+                <a:lumOff val="100000"/>
+              </a:schemeClr>
+            </a:gs>
+            <a:gs pos="100000">
+              <a:schemeClr val="accent1">
+                <a:lumMod val="100000"/>
+              </a:schemeClr>
+            </a:gs>
+          </a:gsLst>
+          <a:path path="circle">
+            <a:fillToRect l="50000" t="-80000" r="50000" b="180000"/>
+          </a:path>
+        </a:gradFill>
+        <a:effectLst/>
+      </p:bgPr>
+    </p:bg>
     <p:spTree>
       <p:nvGrpSpPr>
         <p:cNvPr id="1" name=""/>
@@ -28228,6 +28516,35 @@
 <file path=ppt/slides/slide5.xml><?xml version="1.0" encoding="utf-8"?>
 <p:sld xmlns:a="http://schemas.openxmlformats.org/drawingml/2006/main" xmlns:r="http://schemas.openxmlformats.org/officeDocument/2006/relationships" xmlns:p="http://schemas.openxmlformats.org/presentationml/2006/main">
   <p:cSld>
+    <p:bg>
+      <p:bgPr>
+        <a:gradFill>
+          <a:gsLst>
+            <a:gs pos="0">
+              <a:schemeClr val="accent1">
+                <a:lumMod val="0"/>
+                <a:lumOff val="100000"/>
+              </a:schemeClr>
+            </a:gs>
+            <a:gs pos="30000">
+              <a:schemeClr val="accent1">
+                <a:lumMod val="0"/>
+                <a:lumOff val="100000"/>
+              </a:schemeClr>
+            </a:gs>
+            <a:gs pos="100000">
+              <a:schemeClr val="accent1">
+                <a:lumMod val="100000"/>
+              </a:schemeClr>
+            </a:gs>
+          </a:gsLst>
+          <a:path path="circle">
+            <a:fillToRect l="50000" t="-80000" r="50000" b="180000"/>
+          </a:path>
+        </a:gradFill>
+        <a:effectLst/>
+      </p:bgPr>
+    </p:bg>
     <p:spTree>
       <p:nvGrpSpPr>
         <p:cNvPr id="1" name=""/>
@@ -28400,6 +28717,35 @@
 <file path=ppt/slides/slide6.xml><?xml version="1.0" encoding="utf-8"?>
 <p:sld xmlns:a="http://schemas.openxmlformats.org/drawingml/2006/main" xmlns:r="http://schemas.openxmlformats.org/officeDocument/2006/relationships" xmlns:p="http://schemas.openxmlformats.org/presentationml/2006/main">
   <p:cSld>
+    <p:bg>
+      <p:bgPr>
+        <a:gradFill>
+          <a:gsLst>
+            <a:gs pos="0">
+              <a:schemeClr val="accent1">
+                <a:lumMod val="0"/>
+                <a:lumOff val="100000"/>
+              </a:schemeClr>
+            </a:gs>
+            <a:gs pos="30000">
+              <a:schemeClr val="accent1">
+                <a:lumMod val="0"/>
+                <a:lumOff val="100000"/>
+              </a:schemeClr>
+            </a:gs>
+            <a:gs pos="100000">
+              <a:schemeClr val="accent1">
+                <a:lumMod val="100000"/>
+              </a:schemeClr>
+            </a:gs>
+          </a:gsLst>
+          <a:path path="circle">
+            <a:fillToRect l="50000" t="-80000" r="50000" b="180000"/>
+          </a:path>
+        </a:gradFill>
+        <a:effectLst/>
+      </p:bgPr>
+    </p:bg>
     <p:spTree>
       <p:nvGrpSpPr>
         <p:cNvPr id="1" name=""/>
@@ -28447,7 +28793,6 @@
               <a:rPr lang="en-US" sz="2000" dirty="0" smtClean="0"/>
               <a:t>.</a:t>
             </a:r>
-            <a:endParaRPr lang="en-US" sz="2000" dirty="0" smtClean="0"/>
           </a:p>
           <a:p>
             <a:endParaRPr lang="en-US" dirty="0"/>
@@ -28529,6 +28874,35 @@
 <file path=ppt/slides/slide7.xml><?xml version="1.0" encoding="utf-8"?>
 <p:sld xmlns:a="http://schemas.openxmlformats.org/drawingml/2006/main" xmlns:r="http://schemas.openxmlformats.org/officeDocument/2006/relationships" xmlns:p="http://schemas.openxmlformats.org/presentationml/2006/main">
   <p:cSld>
+    <p:bg>
+      <p:bgPr>
+        <a:gradFill>
+          <a:gsLst>
+            <a:gs pos="0">
+              <a:schemeClr val="accent1">
+                <a:lumMod val="0"/>
+                <a:lumOff val="100000"/>
+              </a:schemeClr>
+            </a:gs>
+            <a:gs pos="30000">
+              <a:schemeClr val="accent1">
+                <a:lumMod val="0"/>
+                <a:lumOff val="100000"/>
+              </a:schemeClr>
+            </a:gs>
+            <a:gs pos="100000">
+              <a:schemeClr val="accent1">
+                <a:lumMod val="100000"/>
+              </a:schemeClr>
+            </a:gs>
+          </a:gsLst>
+          <a:path path="circle">
+            <a:fillToRect l="50000" t="-80000" r="50000" b="180000"/>
+          </a:path>
+        </a:gradFill>
+        <a:effectLst/>
+      </p:bgPr>
+    </p:bg>
     <p:spTree>
       <p:nvGrpSpPr>
         <p:cNvPr id="1" name=""/>
@@ -28687,6 +29061,35 @@
 <file path=ppt/slides/slide8.xml><?xml version="1.0" encoding="utf-8"?>
 <p:sld xmlns:a="http://schemas.openxmlformats.org/drawingml/2006/main" xmlns:r="http://schemas.openxmlformats.org/officeDocument/2006/relationships" xmlns:p="http://schemas.openxmlformats.org/presentationml/2006/main">
   <p:cSld>
+    <p:bg>
+      <p:bgPr>
+        <a:gradFill>
+          <a:gsLst>
+            <a:gs pos="0">
+              <a:schemeClr val="accent1">
+                <a:lumMod val="0"/>
+                <a:lumOff val="100000"/>
+              </a:schemeClr>
+            </a:gs>
+            <a:gs pos="30000">
+              <a:schemeClr val="accent1">
+                <a:lumMod val="0"/>
+                <a:lumOff val="100000"/>
+              </a:schemeClr>
+            </a:gs>
+            <a:gs pos="100000">
+              <a:schemeClr val="accent1">
+                <a:lumMod val="100000"/>
+              </a:schemeClr>
+            </a:gs>
+          </a:gsLst>
+          <a:path path="circle">
+            <a:fillToRect l="50000" t="-80000" r="50000" b="180000"/>
+          </a:path>
+        </a:gradFill>
+        <a:effectLst/>
+      </p:bgPr>
+    </p:bg>
     <p:spTree>
       <p:nvGrpSpPr>
         <p:cNvPr id="1" name=""/>
@@ -28814,12 +29217,48 @@
   <p:clrMapOvr>
     <a:masterClrMapping/>
   </p:clrMapOvr>
+  <p:timing>
+    <p:tnLst>
+      <p:par>
+        <p:cTn id="1" dur="indefinite" restart="never" nodeType="tmRoot"/>
+      </p:par>
+    </p:tnLst>
+  </p:timing>
 </p:sld>
 </file>
 
 <file path=ppt/slides/slide9.xml><?xml version="1.0" encoding="utf-8"?>
 <p:sld xmlns:a="http://schemas.openxmlformats.org/drawingml/2006/main" xmlns:r="http://schemas.openxmlformats.org/officeDocument/2006/relationships" xmlns:p="http://schemas.openxmlformats.org/presentationml/2006/main">
   <p:cSld>
+    <p:bg>
+      <p:bgPr>
+        <a:gradFill>
+          <a:gsLst>
+            <a:gs pos="0">
+              <a:schemeClr val="accent1">
+                <a:lumMod val="0"/>
+                <a:lumOff val="100000"/>
+              </a:schemeClr>
+            </a:gs>
+            <a:gs pos="30000">
+              <a:schemeClr val="accent1">
+                <a:lumMod val="0"/>
+                <a:lumOff val="100000"/>
+              </a:schemeClr>
+            </a:gs>
+            <a:gs pos="100000">
+              <a:schemeClr val="accent1">
+                <a:lumMod val="100000"/>
+              </a:schemeClr>
+            </a:gs>
+          </a:gsLst>
+          <a:path path="circle">
+            <a:fillToRect l="50000" t="-80000" r="50000" b="180000"/>
+          </a:path>
+        </a:gradFill>
+        <a:effectLst/>
+      </p:bgPr>
+    </p:bg>
     <p:spTree>
       <p:nvGrpSpPr>
         <p:cNvPr id="1" name=""/>
@@ -28896,6 +29335,13 @@
   <p:clrMapOvr>
     <a:masterClrMapping/>
   </p:clrMapOvr>
+  <p:timing>
+    <p:tnLst>
+      <p:par>
+        <p:cTn id="1" dur="indefinite" restart="never" nodeType="tmRoot"/>
+      </p:par>
+    </p:tnLst>
+  </p:timing>
 </p:sld>
 </file>
 

--- a/part1.pptx
+++ b/part1.pptx
@@ -20,8 +20,9 @@
     <p:sldId id="271" r:id="rId14"/>
     <p:sldId id="273" r:id="rId15"/>
     <p:sldId id="274" r:id="rId16"/>
-    <p:sldId id="275" r:id="rId17"/>
-    <p:sldId id="276" r:id="rId18"/>
+    <p:sldId id="277" r:id="rId17"/>
+    <p:sldId id="275" r:id="rId18"/>
+    <p:sldId id="276" r:id="rId19"/>
   </p:sldIdLst>
   <p:sldSz cx="12192000" cy="6858000"/>
   <p:notesSz cx="6858000" cy="9144000"/>
@@ -11202,7 +11203,7 @@
           <a:p>
             <a:fld id="{4ECA1A39-D48C-4DEB-B207-893886E3C72B}" type="datetimeFigureOut">
               <a:rPr lang="en-US" smtClean="0"/>
-              <a:t>3/22/2016</a:t>
+              <a:t>3/23/2016</a:t>
             </a:fld>
             <a:endParaRPr lang="en-US"/>
           </a:p>
@@ -24502,7 +24503,7 @@
           <a:p>
             <a:fld id="{4ECA1A39-D48C-4DEB-B207-893886E3C72B}" type="datetimeFigureOut">
               <a:rPr lang="en-US" smtClean="0"/>
-              <a:t>3/22/2016</a:t>
+              <a:t>3/23/2016</a:t>
             </a:fld>
             <a:endParaRPr lang="en-US"/>
           </a:p>
@@ -25815,9 +25816,34 @@
 <p:sldMaster xmlns:a="http://schemas.openxmlformats.org/drawingml/2006/main" xmlns:r="http://schemas.openxmlformats.org/officeDocument/2006/relationships" xmlns:p="http://schemas.openxmlformats.org/presentationml/2006/main" preserve="1">
   <p:cSld>
     <p:bg>
-      <p:bgRef idx="1001">
-        <a:schemeClr val="bg1"/>
-      </p:bgRef>
+      <p:bgPr>
+        <a:gradFill flip="none" rotWithShape="1">
+          <a:gsLst>
+            <a:gs pos="0">
+              <a:schemeClr val="accent1">
+                <a:lumMod val="0"/>
+                <a:lumOff val="100000"/>
+              </a:schemeClr>
+            </a:gs>
+            <a:gs pos="30000">
+              <a:schemeClr val="accent1">
+                <a:lumMod val="0"/>
+                <a:lumOff val="100000"/>
+              </a:schemeClr>
+            </a:gs>
+            <a:gs pos="100000">
+              <a:schemeClr val="accent1">
+                <a:lumMod val="100000"/>
+              </a:schemeClr>
+            </a:gs>
+          </a:gsLst>
+          <a:path path="circle">
+            <a:fillToRect l="50000" t="-80000" r="50000" b="180000"/>
+          </a:path>
+          <a:tileRect/>
+        </a:gradFill>
+        <a:effectLst/>
+      </p:bgPr>
     </p:bg>
     <p:spTree>
       <p:nvGrpSpPr>
@@ -26319,9 +26345,34 @@
 <p:sldMaster xmlns:a="http://schemas.openxmlformats.org/drawingml/2006/main" xmlns:r="http://schemas.openxmlformats.org/officeDocument/2006/relationships" xmlns:p="http://schemas.openxmlformats.org/presentationml/2006/main" preserve="1">
   <p:cSld>
     <p:bg>
-      <p:bgRef idx="1001">
-        <a:schemeClr val="bg1"/>
-      </p:bgRef>
+      <p:bgPr>
+        <a:gradFill flip="none" rotWithShape="1">
+          <a:gsLst>
+            <a:gs pos="0">
+              <a:schemeClr val="accent1">
+                <a:lumMod val="0"/>
+                <a:lumOff val="100000"/>
+              </a:schemeClr>
+            </a:gs>
+            <a:gs pos="30000">
+              <a:schemeClr val="accent1">
+                <a:lumMod val="0"/>
+                <a:lumOff val="100000"/>
+              </a:schemeClr>
+            </a:gs>
+            <a:gs pos="100000">
+              <a:schemeClr val="accent1">
+                <a:lumMod val="100000"/>
+              </a:schemeClr>
+            </a:gs>
+          </a:gsLst>
+          <a:path path="circle">
+            <a:fillToRect l="50000" t="-80000" r="50000" b="180000"/>
+          </a:path>
+          <a:tileRect/>
+        </a:gradFill>
+        <a:effectLst/>
+      </p:bgPr>
     </p:bg>
     <p:spTree>
       <p:nvGrpSpPr>
@@ -26821,36 +26872,6 @@
 <file path=ppt/slides/slide1.xml><?xml version="1.0" encoding="utf-8"?>
 <p:sld xmlns:a="http://schemas.openxmlformats.org/drawingml/2006/main" xmlns:r="http://schemas.openxmlformats.org/officeDocument/2006/relationships" xmlns:p="http://schemas.openxmlformats.org/presentationml/2006/main">
   <p:cSld>
-    <p:bg>
-      <p:bgPr>
-        <a:gradFill flip="none" rotWithShape="1">
-          <a:gsLst>
-            <a:gs pos="0">
-              <a:schemeClr val="accent4">
-                <a:lumMod val="0"/>
-                <a:lumOff val="100000"/>
-              </a:schemeClr>
-            </a:gs>
-            <a:gs pos="35000">
-              <a:schemeClr val="accent4">
-                <a:lumMod val="0"/>
-                <a:lumOff val="100000"/>
-              </a:schemeClr>
-            </a:gs>
-            <a:gs pos="100000">
-              <a:schemeClr val="accent4">
-                <a:lumMod val="100000"/>
-              </a:schemeClr>
-            </a:gs>
-          </a:gsLst>
-          <a:path path="circle">
-            <a:fillToRect l="50000" t="-80000" r="50000" b="180000"/>
-          </a:path>
-          <a:tileRect/>
-        </a:gradFill>
-        <a:effectLst/>
-      </p:bgPr>
-    </p:bg>
     <p:spTree>
       <p:nvGrpSpPr>
         <p:cNvPr id="1" name=""/>
@@ -26985,35 +27006,6 @@
 <file path=ppt/slides/slide10.xml><?xml version="1.0" encoding="utf-8"?>
 <p:sld xmlns:a="http://schemas.openxmlformats.org/drawingml/2006/main" xmlns:r="http://schemas.openxmlformats.org/officeDocument/2006/relationships" xmlns:p="http://schemas.openxmlformats.org/presentationml/2006/main">
   <p:cSld>
-    <p:bg>
-      <p:bgPr>
-        <a:gradFill>
-          <a:gsLst>
-            <a:gs pos="0">
-              <a:schemeClr val="accent1">
-                <a:lumMod val="0"/>
-                <a:lumOff val="100000"/>
-              </a:schemeClr>
-            </a:gs>
-            <a:gs pos="30000">
-              <a:schemeClr val="accent1">
-                <a:lumMod val="0"/>
-                <a:lumOff val="100000"/>
-              </a:schemeClr>
-            </a:gs>
-            <a:gs pos="100000">
-              <a:schemeClr val="accent1">
-                <a:lumMod val="100000"/>
-              </a:schemeClr>
-            </a:gs>
-          </a:gsLst>
-          <a:path path="circle">
-            <a:fillToRect l="50000" t="-80000" r="50000" b="180000"/>
-          </a:path>
-        </a:gradFill>
-        <a:effectLst/>
-      </p:bgPr>
-    </p:bg>
     <p:spTree>
       <p:nvGrpSpPr>
         <p:cNvPr id="1" name=""/>
@@ -27133,35 +27125,6 @@
 <file path=ppt/slides/slide11.xml><?xml version="1.0" encoding="utf-8"?>
 <p:sld xmlns:a="http://schemas.openxmlformats.org/drawingml/2006/main" xmlns:r="http://schemas.openxmlformats.org/officeDocument/2006/relationships" xmlns:p="http://schemas.openxmlformats.org/presentationml/2006/main">
   <p:cSld>
-    <p:bg>
-      <p:bgPr>
-        <a:gradFill>
-          <a:gsLst>
-            <a:gs pos="0">
-              <a:schemeClr val="accent1">
-                <a:lumMod val="0"/>
-                <a:lumOff val="100000"/>
-              </a:schemeClr>
-            </a:gs>
-            <a:gs pos="30000">
-              <a:schemeClr val="accent1">
-                <a:lumMod val="0"/>
-                <a:lumOff val="100000"/>
-              </a:schemeClr>
-            </a:gs>
-            <a:gs pos="100000">
-              <a:schemeClr val="accent1">
-                <a:lumMod val="100000"/>
-              </a:schemeClr>
-            </a:gs>
-          </a:gsLst>
-          <a:path path="circle">
-            <a:fillToRect l="50000" t="-80000" r="50000" b="180000"/>
-          </a:path>
-        </a:gradFill>
-        <a:effectLst/>
-      </p:bgPr>
-    </p:bg>
     <p:spTree>
       <p:nvGrpSpPr>
         <p:cNvPr id="1" name=""/>
@@ -27274,7 +27237,6 @@
               <a:rPr lang="en-US" sz="3200" b="1" i="1" dirty="0" smtClean="0"/>
               <a:t>&gt;</a:t>
             </a:r>
-            <a:endParaRPr lang="en-US" sz="3200" b="1" i="1" dirty="0" smtClean="0"/>
           </a:p>
           <a:p>
             <a:pPr algn="ctr"/>
@@ -27313,35 +27275,6 @@
 <file path=ppt/slides/slide12.xml><?xml version="1.0" encoding="utf-8"?>
 <p:sld xmlns:a="http://schemas.openxmlformats.org/drawingml/2006/main" xmlns:r="http://schemas.openxmlformats.org/officeDocument/2006/relationships" xmlns:p="http://schemas.openxmlformats.org/presentationml/2006/main">
   <p:cSld>
-    <p:bg>
-      <p:bgPr>
-        <a:gradFill>
-          <a:gsLst>
-            <a:gs pos="0">
-              <a:schemeClr val="accent1">
-                <a:lumMod val="0"/>
-                <a:lumOff val="100000"/>
-              </a:schemeClr>
-            </a:gs>
-            <a:gs pos="30000">
-              <a:schemeClr val="accent1">
-                <a:lumMod val="0"/>
-                <a:lumOff val="100000"/>
-              </a:schemeClr>
-            </a:gs>
-            <a:gs pos="100000">
-              <a:schemeClr val="accent1">
-                <a:lumMod val="100000"/>
-              </a:schemeClr>
-            </a:gs>
-          </a:gsLst>
-          <a:path path="circle">
-            <a:fillToRect l="50000" t="-80000" r="50000" b="180000"/>
-          </a:path>
-        </a:gradFill>
-        <a:effectLst/>
-      </p:bgPr>
-    </p:bg>
     <p:spTree>
       <p:nvGrpSpPr>
         <p:cNvPr id="1" name=""/>
@@ -27473,35 +27406,6 @@
 <file path=ppt/slides/slide13.xml><?xml version="1.0" encoding="utf-8"?>
 <p:sld xmlns:a="http://schemas.openxmlformats.org/drawingml/2006/main" xmlns:r="http://schemas.openxmlformats.org/officeDocument/2006/relationships" xmlns:p="http://schemas.openxmlformats.org/presentationml/2006/main">
   <p:cSld>
-    <p:bg>
-      <p:bgPr>
-        <a:gradFill>
-          <a:gsLst>
-            <a:gs pos="0">
-              <a:schemeClr val="accent1">
-                <a:lumMod val="0"/>
-                <a:lumOff val="100000"/>
-              </a:schemeClr>
-            </a:gs>
-            <a:gs pos="30000">
-              <a:schemeClr val="accent1">
-                <a:lumMod val="0"/>
-                <a:lumOff val="100000"/>
-              </a:schemeClr>
-            </a:gs>
-            <a:gs pos="100000">
-              <a:schemeClr val="accent1">
-                <a:lumMod val="100000"/>
-              </a:schemeClr>
-            </a:gs>
-          </a:gsLst>
-          <a:path path="circle">
-            <a:fillToRect l="50000" t="-80000" r="50000" b="180000"/>
-          </a:path>
-        </a:gradFill>
-        <a:effectLst/>
-      </p:bgPr>
-    </p:bg>
     <p:spTree>
       <p:nvGrpSpPr>
         <p:cNvPr id="1" name=""/>
@@ -27632,35 +27536,6 @@
 <file path=ppt/slides/slide14.xml><?xml version="1.0" encoding="utf-8"?>
 <p:sld xmlns:a="http://schemas.openxmlformats.org/drawingml/2006/main" xmlns:r="http://schemas.openxmlformats.org/officeDocument/2006/relationships" xmlns:p="http://schemas.openxmlformats.org/presentationml/2006/main">
   <p:cSld>
-    <p:bg>
-      <p:bgPr>
-        <a:gradFill>
-          <a:gsLst>
-            <a:gs pos="0">
-              <a:schemeClr val="accent1">
-                <a:lumMod val="0"/>
-                <a:lumOff val="100000"/>
-              </a:schemeClr>
-            </a:gs>
-            <a:gs pos="30000">
-              <a:schemeClr val="accent1">
-                <a:lumMod val="0"/>
-                <a:lumOff val="100000"/>
-              </a:schemeClr>
-            </a:gs>
-            <a:gs pos="100000">
-              <a:schemeClr val="accent1">
-                <a:lumMod val="100000"/>
-              </a:schemeClr>
-            </a:gs>
-          </a:gsLst>
-          <a:path path="circle">
-            <a:fillToRect l="50000" t="-80000" r="50000" b="180000"/>
-          </a:path>
-        </a:gradFill>
-        <a:effectLst/>
-      </p:bgPr>
-    </p:bg>
     <p:spTree>
       <p:nvGrpSpPr>
         <p:cNvPr id="1" name=""/>
@@ -27792,35 +27667,146 @@
 <file path=ppt/slides/slide15.xml><?xml version="1.0" encoding="utf-8"?>
 <p:sld xmlns:a="http://schemas.openxmlformats.org/drawingml/2006/main" xmlns:r="http://schemas.openxmlformats.org/officeDocument/2006/relationships" xmlns:p="http://schemas.openxmlformats.org/presentationml/2006/main">
   <p:cSld>
-    <p:bg>
-      <p:bgPr>
-        <a:gradFill>
-          <a:gsLst>
-            <a:gs pos="0">
-              <a:schemeClr val="accent1">
-                <a:lumMod val="0"/>
-                <a:lumOff val="100000"/>
-              </a:schemeClr>
-            </a:gs>
-            <a:gs pos="30000">
-              <a:schemeClr val="accent1">
-                <a:lumMod val="0"/>
-                <a:lumOff val="100000"/>
-              </a:schemeClr>
-            </a:gs>
-            <a:gs pos="100000">
-              <a:schemeClr val="accent1">
-                <a:lumMod val="100000"/>
-              </a:schemeClr>
-            </a:gs>
-          </a:gsLst>
-          <a:path path="circle">
-            <a:fillToRect l="50000" t="-80000" r="50000" b="180000"/>
-          </a:path>
-        </a:gradFill>
-        <a:effectLst/>
-      </p:bgPr>
-    </p:bg>
+    <p:spTree>
+      <p:nvGrpSpPr>
+        <p:cNvPr id="1" name=""/>
+        <p:cNvGrpSpPr/>
+        <p:nvPr/>
+      </p:nvGrpSpPr>
+      <p:grpSpPr>
+        <a:xfrm>
+          <a:off x="0" y="0"/>
+          <a:ext cx="0" cy="0"/>
+          <a:chOff x="0" y="0"/>
+          <a:chExt cx="0" cy="0"/>
+        </a:xfrm>
+      </p:grpSpPr>
+      <p:sp>
+        <p:nvSpPr>
+          <p:cNvPr id="2" name="Text Placeholder 1"/>
+          <p:cNvSpPr>
+            <a:spLocks noGrp="1"/>
+          </p:cNvSpPr>
+          <p:nvPr>
+            <p:ph type="body" sz="quarter" idx="10"/>
+          </p:nvPr>
+        </p:nvSpPr>
+        <p:spPr/>
+        <p:txBody>
+          <a:bodyPr/>
+          <a:lstStyle/>
+          <a:p>
+            <a:r>
+              <a:rPr lang="en-US" dirty="0" smtClean="0"/>
+              <a:t>Task</a:t>
+            </a:r>
+            <a:endParaRPr lang="en-US" dirty="0"/>
+          </a:p>
+        </p:txBody>
+      </p:sp>
+      <p:sp>
+        <p:nvSpPr>
+          <p:cNvPr id="5" name="Content Placeholder 4"/>
+          <p:cNvSpPr>
+            <a:spLocks noGrp="1"/>
+          </p:cNvSpPr>
+          <p:nvPr>
+            <p:ph idx="1"/>
+          </p:nvPr>
+        </p:nvSpPr>
+        <p:spPr/>
+        <p:txBody>
+          <a:bodyPr>
+            <a:normAutofit/>
+          </a:bodyPr>
+          <a:lstStyle/>
+          <a:p>
+            <a:pPr algn="ctr"/>
+            <a:r>
+              <a:rPr lang="en-US" sz="3200" dirty="0" smtClean="0"/>
+              <a:t>Open </a:t>
+            </a:r>
+            <a:r>
+              <a:rPr lang="en-US" sz="3200" i="1" dirty="0" smtClean="0"/>
+              <a:t>git.epam.com</a:t>
+            </a:r>
+          </a:p>
+          <a:p>
+            <a:pPr algn="ctr"/>
+            <a:r>
+              <a:rPr lang="en-US" sz="3200" dirty="0" smtClean="0"/>
+              <a:t>Login with your EPAM credentials</a:t>
+            </a:r>
+          </a:p>
+          <a:p>
+            <a:pPr algn="ctr"/>
+            <a:r>
+              <a:rPr lang="en-US" sz="3200" dirty="0" smtClean="0"/>
+              <a:t>Create new repository </a:t>
+            </a:r>
+          </a:p>
+          <a:p>
+            <a:pPr algn="ctr"/>
+            <a:r>
+              <a:rPr lang="en-US" sz="3200" dirty="0" smtClean="0"/>
+              <a:t>Create local GIT repository with few files</a:t>
+            </a:r>
+          </a:p>
+          <a:p>
+            <a:pPr algn="ctr"/>
+            <a:r>
+              <a:rPr lang="en-US" sz="3200" dirty="0" smtClean="0"/>
+              <a:t>Push local repository to remote</a:t>
+            </a:r>
+          </a:p>
+          <a:p>
+            <a:pPr algn="ctr"/>
+            <a:endParaRPr lang="en-US" sz="3200" dirty="0"/>
+          </a:p>
+          <a:p>
+            <a:pPr algn="ctr"/>
+            <a:r>
+              <a:rPr lang="en-US" sz="3200" dirty="0" smtClean="0"/>
+              <a:t>Send link to result to </a:t>
+            </a:r>
+            <a:r>
+              <a:rPr lang="en-US" sz="3200" i="1" dirty="0" smtClean="0"/>
+              <a:t>Yurii_Drozd@epam.com</a:t>
+            </a:r>
+          </a:p>
+          <a:p>
+            <a:pPr algn="ctr"/>
+            <a:endParaRPr lang="en-US" sz="3200" dirty="0" smtClean="0"/>
+          </a:p>
+          <a:p>
+            <a:pPr algn="ctr"/>
+            <a:endParaRPr lang="en-US" sz="3200" b="1" i="1" dirty="0"/>
+          </a:p>
+        </p:txBody>
+      </p:sp>
+    </p:spTree>
+    <p:extLst>
+      <p:ext uri="{BB962C8B-B14F-4D97-AF65-F5344CB8AC3E}">
+        <p14:creationId xmlns:p14="http://schemas.microsoft.com/office/powerpoint/2010/main" val="2654991874"/>
+      </p:ext>
+    </p:extLst>
+  </p:cSld>
+  <p:clrMapOvr>
+    <a:masterClrMapping/>
+  </p:clrMapOvr>
+  <p:timing>
+    <p:tnLst>
+      <p:par>
+        <p:cTn id="1" dur="indefinite" restart="never" nodeType="tmRoot"/>
+      </p:par>
+    </p:tnLst>
+  </p:timing>
+</p:sld>
+</file>
+
+<file path=ppt/slides/slide16.xml><?xml version="1.0" encoding="utf-8"?>
+<p:sld xmlns:a="http://schemas.openxmlformats.org/drawingml/2006/main" xmlns:r="http://schemas.openxmlformats.org/officeDocument/2006/relationships" xmlns:p="http://schemas.openxmlformats.org/presentationml/2006/main">
+  <p:cSld>
     <p:spTree>
       <p:nvGrpSpPr>
         <p:cNvPr id="1" name=""/>
@@ -27878,38 +27864,9 @@
 </p:sld>
 </file>
 
-<file path=ppt/slides/slide16.xml><?xml version="1.0" encoding="utf-8"?>
+<file path=ppt/slides/slide17.xml><?xml version="1.0" encoding="utf-8"?>
 <p:sld xmlns:a="http://schemas.openxmlformats.org/drawingml/2006/main" xmlns:r="http://schemas.openxmlformats.org/officeDocument/2006/relationships" xmlns:p="http://schemas.openxmlformats.org/presentationml/2006/main">
   <p:cSld>
-    <p:bg>
-      <p:bgPr>
-        <a:gradFill>
-          <a:gsLst>
-            <a:gs pos="0">
-              <a:schemeClr val="accent1">
-                <a:lumMod val="0"/>
-                <a:lumOff val="100000"/>
-              </a:schemeClr>
-            </a:gs>
-            <a:gs pos="30000">
-              <a:schemeClr val="accent1">
-                <a:lumMod val="0"/>
-                <a:lumOff val="100000"/>
-              </a:schemeClr>
-            </a:gs>
-            <a:gs pos="100000">
-              <a:schemeClr val="accent1">
-                <a:lumMod val="100000"/>
-              </a:schemeClr>
-            </a:gs>
-          </a:gsLst>
-          <a:path path="circle">
-            <a:fillToRect l="50000" t="-80000" r="50000" b="180000"/>
-          </a:path>
-        </a:gradFill>
-        <a:effectLst/>
-      </p:bgPr>
-    </p:bg>
     <p:spTree>
       <p:nvGrpSpPr>
         <p:cNvPr id="1" name=""/>
@@ -27970,36 +27927,6 @@
 <file path=ppt/slides/slide2.xml><?xml version="1.0" encoding="utf-8"?>
 <p:sld xmlns:a="http://schemas.openxmlformats.org/drawingml/2006/main" xmlns:r="http://schemas.openxmlformats.org/officeDocument/2006/relationships" xmlns:p="http://schemas.openxmlformats.org/presentationml/2006/main">
   <p:cSld>
-    <p:bg>
-      <p:bgPr>
-        <a:gradFill flip="none" rotWithShape="1">
-          <a:gsLst>
-            <a:gs pos="0">
-              <a:schemeClr val="accent1">
-                <a:lumMod val="0"/>
-                <a:lumOff val="100000"/>
-              </a:schemeClr>
-            </a:gs>
-            <a:gs pos="35000">
-              <a:schemeClr val="accent1">
-                <a:lumMod val="0"/>
-                <a:lumOff val="100000"/>
-              </a:schemeClr>
-            </a:gs>
-            <a:gs pos="100000">
-              <a:schemeClr val="accent1">
-                <a:lumMod val="100000"/>
-              </a:schemeClr>
-            </a:gs>
-          </a:gsLst>
-          <a:path path="circle">
-            <a:fillToRect l="50000" t="-80000" r="50000" b="180000"/>
-          </a:path>
-          <a:tileRect/>
-        </a:gradFill>
-        <a:effectLst/>
-      </p:bgPr>
-    </p:bg>
     <p:spTree>
       <p:nvGrpSpPr>
         <p:cNvPr id="1" name=""/>
@@ -28163,36 +28090,6 @@
 <file path=ppt/slides/slide3.xml><?xml version="1.0" encoding="utf-8"?>
 <p:sld xmlns:a="http://schemas.openxmlformats.org/drawingml/2006/main" xmlns:r="http://schemas.openxmlformats.org/officeDocument/2006/relationships" xmlns:p="http://schemas.openxmlformats.org/presentationml/2006/main">
   <p:cSld>
-    <p:bg>
-      <p:bgPr>
-        <a:gradFill flip="none" rotWithShape="1">
-          <a:gsLst>
-            <a:gs pos="0">
-              <a:schemeClr val="accent1">
-                <a:lumMod val="0"/>
-                <a:lumOff val="100000"/>
-              </a:schemeClr>
-            </a:gs>
-            <a:gs pos="30000">
-              <a:schemeClr val="accent1">
-                <a:lumMod val="0"/>
-                <a:lumOff val="100000"/>
-              </a:schemeClr>
-            </a:gs>
-            <a:gs pos="100000">
-              <a:schemeClr val="accent1">
-                <a:lumMod val="100000"/>
-              </a:schemeClr>
-            </a:gs>
-          </a:gsLst>
-          <a:path path="circle">
-            <a:fillToRect l="50000" t="-80000" r="50000" b="180000"/>
-          </a:path>
-          <a:tileRect/>
-        </a:gradFill>
-        <a:effectLst/>
-      </p:bgPr>
-    </p:bg>
     <p:spTree>
       <p:nvGrpSpPr>
         <p:cNvPr id="1" name=""/>
@@ -28317,35 +28214,6 @@
 <file path=ppt/slides/slide4.xml><?xml version="1.0" encoding="utf-8"?>
 <p:sld xmlns:a="http://schemas.openxmlformats.org/drawingml/2006/main" xmlns:r="http://schemas.openxmlformats.org/officeDocument/2006/relationships" xmlns:p="http://schemas.openxmlformats.org/presentationml/2006/main">
   <p:cSld>
-    <p:bg>
-      <p:bgPr>
-        <a:gradFill>
-          <a:gsLst>
-            <a:gs pos="0">
-              <a:schemeClr val="accent1">
-                <a:lumMod val="0"/>
-                <a:lumOff val="100000"/>
-              </a:schemeClr>
-            </a:gs>
-            <a:gs pos="30000">
-              <a:schemeClr val="accent1">
-                <a:lumMod val="0"/>
-                <a:lumOff val="100000"/>
-              </a:schemeClr>
-            </a:gs>
-            <a:gs pos="100000">
-              <a:schemeClr val="accent1">
-                <a:lumMod val="100000"/>
-              </a:schemeClr>
-            </a:gs>
-          </a:gsLst>
-          <a:path path="circle">
-            <a:fillToRect l="50000" t="-80000" r="50000" b="180000"/>
-          </a:path>
-        </a:gradFill>
-        <a:effectLst/>
-      </p:bgPr>
-    </p:bg>
     <p:spTree>
       <p:nvGrpSpPr>
         <p:cNvPr id="1" name=""/>
@@ -28516,35 +28384,6 @@
 <file path=ppt/slides/slide5.xml><?xml version="1.0" encoding="utf-8"?>
 <p:sld xmlns:a="http://schemas.openxmlformats.org/drawingml/2006/main" xmlns:r="http://schemas.openxmlformats.org/officeDocument/2006/relationships" xmlns:p="http://schemas.openxmlformats.org/presentationml/2006/main">
   <p:cSld>
-    <p:bg>
-      <p:bgPr>
-        <a:gradFill>
-          <a:gsLst>
-            <a:gs pos="0">
-              <a:schemeClr val="accent1">
-                <a:lumMod val="0"/>
-                <a:lumOff val="100000"/>
-              </a:schemeClr>
-            </a:gs>
-            <a:gs pos="30000">
-              <a:schemeClr val="accent1">
-                <a:lumMod val="0"/>
-                <a:lumOff val="100000"/>
-              </a:schemeClr>
-            </a:gs>
-            <a:gs pos="100000">
-              <a:schemeClr val="accent1">
-                <a:lumMod val="100000"/>
-              </a:schemeClr>
-            </a:gs>
-          </a:gsLst>
-          <a:path path="circle">
-            <a:fillToRect l="50000" t="-80000" r="50000" b="180000"/>
-          </a:path>
-        </a:gradFill>
-        <a:effectLst/>
-      </p:bgPr>
-    </p:bg>
     <p:spTree>
       <p:nvGrpSpPr>
         <p:cNvPr id="1" name=""/>
@@ -28717,35 +28556,6 @@
 <file path=ppt/slides/slide6.xml><?xml version="1.0" encoding="utf-8"?>
 <p:sld xmlns:a="http://schemas.openxmlformats.org/drawingml/2006/main" xmlns:r="http://schemas.openxmlformats.org/officeDocument/2006/relationships" xmlns:p="http://schemas.openxmlformats.org/presentationml/2006/main">
   <p:cSld>
-    <p:bg>
-      <p:bgPr>
-        <a:gradFill>
-          <a:gsLst>
-            <a:gs pos="0">
-              <a:schemeClr val="accent1">
-                <a:lumMod val="0"/>
-                <a:lumOff val="100000"/>
-              </a:schemeClr>
-            </a:gs>
-            <a:gs pos="30000">
-              <a:schemeClr val="accent1">
-                <a:lumMod val="0"/>
-                <a:lumOff val="100000"/>
-              </a:schemeClr>
-            </a:gs>
-            <a:gs pos="100000">
-              <a:schemeClr val="accent1">
-                <a:lumMod val="100000"/>
-              </a:schemeClr>
-            </a:gs>
-          </a:gsLst>
-          <a:path path="circle">
-            <a:fillToRect l="50000" t="-80000" r="50000" b="180000"/>
-          </a:path>
-        </a:gradFill>
-        <a:effectLst/>
-      </p:bgPr>
-    </p:bg>
     <p:spTree>
       <p:nvGrpSpPr>
         <p:cNvPr id="1" name=""/>
@@ -28874,35 +28684,6 @@
 <file path=ppt/slides/slide7.xml><?xml version="1.0" encoding="utf-8"?>
 <p:sld xmlns:a="http://schemas.openxmlformats.org/drawingml/2006/main" xmlns:r="http://schemas.openxmlformats.org/officeDocument/2006/relationships" xmlns:p="http://schemas.openxmlformats.org/presentationml/2006/main">
   <p:cSld>
-    <p:bg>
-      <p:bgPr>
-        <a:gradFill>
-          <a:gsLst>
-            <a:gs pos="0">
-              <a:schemeClr val="accent1">
-                <a:lumMod val="0"/>
-                <a:lumOff val="100000"/>
-              </a:schemeClr>
-            </a:gs>
-            <a:gs pos="30000">
-              <a:schemeClr val="accent1">
-                <a:lumMod val="0"/>
-                <a:lumOff val="100000"/>
-              </a:schemeClr>
-            </a:gs>
-            <a:gs pos="100000">
-              <a:schemeClr val="accent1">
-                <a:lumMod val="100000"/>
-              </a:schemeClr>
-            </a:gs>
-          </a:gsLst>
-          <a:path path="circle">
-            <a:fillToRect l="50000" t="-80000" r="50000" b="180000"/>
-          </a:path>
-        </a:gradFill>
-        <a:effectLst/>
-      </p:bgPr>
-    </p:bg>
     <p:spTree>
       <p:nvGrpSpPr>
         <p:cNvPr id="1" name=""/>
@@ -29061,35 +28842,6 @@
 <file path=ppt/slides/slide8.xml><?xml version="1.0" encoding="utf-8"?>
 <p:sld xmlns:a="http://schemas.openxmlformats.org/drawingml/2006/main" xmlns:r="http://schemas.openxmlformats.org/officeDocument/2006/relationships" xmlns:p="http://schemas.openxmlformats.org/presentationml/2006/main">
   <p:cSld>
-    <p:bg>
-      <p:bgPr>
-        <a:gradFill>
-          <a:gsLst>
-            <a:gs pos="0">
-              <a:schemeClr val="accent1">
-                <a:lumMod val="0"/>
-                <a:lumOff val="100000"/>
-              </a:schemeClr>
-            </a:gs>
-            <a:gs pos="30000">
-              <a:schemeClr val="accent1">
-                <a:lumMod val="0"/>
-                <a:lumOff val="100000"/>
-              </a:schemeClr>
-            </a:gs>
-            <a:gs pos="100000">
-              <a:schemeClr val="accent1">
-                <a:lumMod val="100000"/>
-              </a:schemeClr>
-            </a:gs>
-          </a:gsLst>
-          <a:path path="circle">
-            <a:fillToRect l="50000" t="-80000" r="50000" b="180000"/>
-          </a:path>
-        </a:gradFill>
-        <a:effectLst/>
-      </p:bgPr>
-    </p:bg>
     <p:spTree>
       <p:nvGrpSpPr>
         <p:cNvPr id="1" name=""/>
@@ -29201,7 +28953,7 @@
             </a:r>
             <a:r>
               <a:rPr lang="en-US" sz="2400" spc="225" dirty="0" smtClean="0"/>
-              <a:t>“Yurii D"</a:t>
+              <a:t>&lt;username&gt;</a:t>
             </a:r>
             <a:endParaRPr lang="en-US" sz="2400" dirty="0" smtClean="0"/>
           </a:p>
@@ -29230,35 +28982,6 @@
 <file path=ppt/slides/slide9.xml><?xml version="1.0" encoding="utf-8"?>
 <p:sld xmlns:a="http://schemas.openxmlformats.org/drawingml/2006/main" xmlns:r="http://schemas.openxmlformats.org/officeDocument/2006/relationships" xmlns:p="http://schemas.openxmlformats.org/presentationml/2006/main">
   <p:cSld>
-    <p:bg>
-      <p:bgPr>
-        <a:gradFill>
-          <a:gsLst>
-            <a:gs pos="0">
-              <a:schemeClr val="accent1">
-                <a:lumMod val="0"/>
-                <a:lumOff val="100000"/>
-              </a:schemeClr>
-            </a:gs>
-            <a:gs pos="30000">
-              <a:schemeClr val="accent1">
-                <a:lumMod val="0"/>
-                <a:lumOff val="100000"/>
-              </a:schemeClr>
-            </a:gs>
-            <a:gs pos="100000">
-              <a:schemeClr val="accent1">
-                <a:lumMod val="100000"/>
-              </a:schemeClr>
-            </a:gs>
-          </a:gsLst>
-          <a:path path="circle">
-            <a:fillToRect l="50000" t="-80000" r="50000" b="180000"/>
-          </a:path>
-        </a:gradFill>
-        <a:effectLst/>
-      </p:bgPr>
-    </p:bg>
     <p:spTree>
       <p:nvGrpSpPr>
         <p:cNvPr id="1" name=""/>
